--- a/Youcheng/illustrator.pptx
+++ b/Youcheng/illustrator.pptx
@@ -8,6 +8,7 @@
     <p:sldId id="256" r:id="rId2"/>
     <p:sldId id="257" r:id="rId3"/>
     <p:sldId id="258" r:id="rId4"/>
+    <p:sldId id="259" r:id="rId5"/>
   </p:sldIdLst>
   <p:sldSz cx="9144000" cy="6858000" type="screen4x3"/>
   <p:notesSz cx="6858000" cy="9144000"/>
@@ -290,7 +291,7 @@
           <a:p>
             <a:fld id="{F854B672-91F0-344D-8EA3-E17F15B687C9}" type="datetimeFigureOut">
               <a:rPr lang="en-US" smtClean="0"/>
-              <a:t>9/27/17</a:t>
+              <a:t>9/28/17</a:t>
             </a:fld>
             <a:endParaRPr lang="en-US"/>
           </a:p>
@@ -460,7 +461,7 @@
           <a:p>
             <a:fld id="{F854B672-91F0-344D-8EA3-E17F15B687C9}" type="datetimeFigureOut">
               <a:rPr lang="en-US" smtClean="0"/>
-              <a:t>9/27/17</a:t>
+              <a:t>9/28/17</a:t>
             </a:fld>
             <a:endParaRPr lang="en-US"/>
           </a:p>
@@ -640,7 +641,7 @@
           <a:p>
             <a:fld id="{F854B672-91F0-344D-8EA3-E17F15B687C9}" type="datetimeFigureOut">
               <a:rPr lang="en-US" smtClean="0"/>
-              <a:t>9/27/17</a:t>
+              <a:t>9/28/17</a:t>
             </a:fld>
             <a:endParaRPr lang="en-US"/>
           </a:p>
@@ -810,7 +811,7 @@
           <a:p>
             <a:fld id="{F854B672-91F0-344D-8EA3-E17F15B687C9}" type="datetimeFigureOut">
               <a:rPr lang="en-US" smtClean="0"/>
-              <a:t>9/27/17</a:t>
+              <a:t>9/28/17</a:t>
             </a:fld>
             <a:endParaRPr lang="en-US"/>
           </a:p>
@@ -1056,7 +1057,7 @@
           <a:p>
             <a:fld id="{F854B672-91F0-344D-8EA3-E17F15B687C9}" type="datetimeFigureOut">
               <a:rPr lang="en-US" smtClean="0"/>
-              <a:t>9/27/17</a:t>
+              <a:t>9/28/17</a:t>
             </a:fld>
             <a:endParaRPr lang="en-US"/>
           </a:p>
@@ -1344,7 +1345,7 @@
           <a:p>
             <a:fld id="{F854B672-91F0-344D-8EA3-E17F15B687C9}" type="datetimeFigureOut">
               <a:rPr lang="en-US" smtClean="0"/>
-              <a:t>9/27/17</a:t>
+              <a:t>9/28/17</a:t>
             </a:fld>
             <a:endParaRPr lang="en-US"/>
           </a:p>
@@ -1766,7 +1767,7 @@
           <a:p>
             <a:fld id="{F854B672-91F0-344D-8EA3-E17F15B687C9}" type="datetimeFigureOut">
               <a:rPr lang="en-US" smtClean="0"/>
-              <a:t>9/27/17</a:t>
+              <a:t>9/28/17</a:t>
             </a:fld>
             <a:endParaRPr lang="en-US"/>
           </a:p>
@@ -1884,7 +1885,7 @@
           <a:p>
             <a:fld id="{F854B672-91F0-344D-8EA3-E17F15B687C9}" type="datetimeFigureOut">
               <a:rPr lang="en-US" smtClean="0"/>
-              <a:t>9/27/17</a:t>
+              <a:t>9/28/17</a:t>
             </a:fld>
             <a:endParaRPr lang="en-US"/>
           </a:p>
@@ -1979,7 +1980,7 @@
           <a:p>
             <a:fld id="{F854B672-91F0-344D-8EA3-E17F15B687C9}" type="datetimeFigureOut">
               <a:rPr lang="en-US" smtClean="0"/>
-              <a:t>9/27/17</a:t>
+              <a:t>9/28/17</a:t>
             </a:fld>
             <a:endParaRPr lang="en-US"/>
           </a:p>
@@ -2256,7 +2257,7 @@
           <a:p>
             <a:fld id="{F854B672-91F0-344D-8EA3-E17F15B687C9}" type="datetimeFigureOut">
               <a:rPr lang="en-US" smtClean="0"/>
-              <a:t>9/27/17</a:t>
+              <a:t>9/28/17</a:t>
             </a:fld>
             <a:endParaRPr lang="en-US"/>
           </a:p>
@@ -2509,7 +2510,7 @@
           <a:p>
             <a:fld id="{F854B672-91F0-344D-8EA3-E17F15B687C9}" type="datetimeFigureOut">
               <a:rPr lang="en-US" smtClean="0"/>
-              <a:t>9/27/17</a:t>
+              <a:t>9/28/17</a:t>
             </a:fld>
             <a:endParaRPr lang="en-US"/>
           </a:p>
@@ -2722,7 +2723,7 @@
           <a:p>
             <a:fld id="{F854B672-91F0-344D-8EA3-E17F15B687C9}" type="datetimeFigureOut">
               <a:rPr lang="en-US" smtClean="0"/>
-              <a:t>9/27/17</a:t>
+              <a:t>9/28/17</a:t>
             </a:fld>
             <a:endParaRPr lang="en-US"/>
           </a:p>
@@ -3421,7 +3422,6 @@
               <a:rPr lang="en-US" dirty="0"/>
               <a:t>P</a:t>
             </a:r>
-            <a:endParaRPr lang="en-US" dirty="0"/>
           </a:p>
         </p:txBody>
       </p:sp>
@@ -4290,6 +4290,528 @@
     <p:extLst>
       <p:ext uri="{BB962C8B-B14F-4D97-AF65-F5344CB8AC3E}">
         <p14:creationId xmlns:p14="http://schemas.microsoft.com/office/powerpoint/2010/main" val="1324161914"/>
+      </p:ext>
+    </p:extLst>
+  </p:cSld>
+  <p:clrMapOvr>
+    <a:masterClrMapping/>
+  </p:clrMapOvr>
+  <p:timing>
+    <p:tnLst>
+      <p:par>
+        <p:cTn xmlns:p14="http://schemas.microsoft.com/office/powerpoint/2010/main" id="1" dur="indefinite" restart="never" nodeType="tmRoot"/>
+      </p:par>
+    </p:tnLst>
+  </p:timing>
+</p:sld>
+</file>
+
+<file path=ppt/slides/slide4.xml><?xml version="1.0" encoding="utf-8"?>
+<p:sld xmlns:a="http://schemas.openxmlformats.org/drawingml/2006/main" xmlns:r="http://schemas.openxmlformats.org/officeDocument/2006/relationships" xmlns:p="http://schemas.openxmlformats.org/presentationml/2006/main">
+  <p:cSld>
+    <p:spTree>
+      <p:nvGrpSpPr>
+        <p:cNvPr id="1" name=""/>
+        <p:cNvGrpSpPr/>
+        <p:nvPr/>
+      </p:nvGrpSpPr>
+      <p:grpSpPr>
+        <a:xfrm>
+          <a:off x="0" y="0"/>
+          <a:ext cx="0" cy="0"/>
+          <a:chOff x="0" y="0"/>
+          <a:chExt cx="0" cy="0"/>
+        </a:xfrm>
+      </p:grpSpPr>
+      <p:sp>
+        <p:nvSpPr>
+          <p:cNvPr id="2" name="Title 1"/>
+          <p:cNvSpPr>
+            <a:spLocks noGrp="1"/>
+          </p:cNvSpPr>
+          <p:nvPr>
+            <p:ph type="title"/>
+          </p:nvPr>
+        </p:nvSpPr>
+        <p:spPr>
+          <a:xfrm>
+            <a:off x="457200" y="1400176"/>
+            <a:ext cx="8229600" cy="1143000"/>
+          </a:xfrm>
+        </p:spPr>
+        <p:txBody>
+          <a:bodyPr>
+            <a:normAutofit/>
+          </a:bodyPr>
+          <a:lstStyle/>
+          <a:p>
+            <a:r>
+              <a:rPr lang="en-US" sz="2800" dirty="0" smtClean="0"/>
+              <a:t>&lt;</a:t>
+            </a:r>
+            <a:r>
+              <a:rPr lang="en-US" sz="2800" dirty="0" smtClean="0">
+                <a:solidFill>
+                  <a:srgbClr val="FF0000"/>
+                </a:solidFill>
+              </a:rPr>
+              <a:t>span</a:t>
+            </a:r>
+            <a:r>
+              <a:rPr lang="en-US" sz="2800" dirty="0" smtClean="0"/>
+              <a:t> </a:t>
+            </a:r>
+            <a:r>
+              <a:rPr lang="en-US" sz="2800" dirty="0" smtClean="0">
+                <a:solidFill>
+                  <a:srgbClr val="008000"/>
+                </a:solidFill>
+              </a:rPr>
+              <a:t>class</a:t>
+            </a:r>
+            <a:r>
+              <a:rPr lang="en-US" sz="2800" dirty="0" smtClean="0"/>
+              <a:t>=“123” </a:t>
+            </a:r>
+            <a:r>
+              <a:rPr lang="en-US" sz="2800" dirty="0" smtClean="0">
+                <a:solidFill>
+                  <a:srgbClr val="008000"/>
+                </a:solidFill>
+              </a:rPr>
+              <a:t>name</a:t>
+            </a:r>
+            <a:r>
+              <a:rPr lang="en-US" sz="2800" dirty="0" smtClean="0"/>
+              <a:t>=“</a:t>
+            </a:r>
+            <a:r>
+              <a:rPr lang="en-US" sz="2800" dirty="0" err="1" smtClean="0"/>
+              <a:t>niuniu</a:t>
+            </a:r>
+            <a:r>
+              <a:rPr lang="en-US" sz="2800" dirty="0" smtClean="0"/>
+              <a:t>”&gt;</a:t>
+            </a:r>
+            <a:r>
+              <a:rPr lang="zh-CN" altLang="en-US" sz="2800" dirty="0" smtClean="0">
+                <a:solidFill>
+                  <a:srgbClr val="3366FF"/>
+                </a:solidFill>
+              </a:rPr>
+              <a:t>文字描述</a:t>
+            </a:r>
+            <a:r>
+              <a:rPr lang="en-US" altLang="zh-CN" sz="2800" dirty="0" smtClean="0"/>
+              <a:t>&lt;</a:t>
+            </a:r>
+            <a:r>
+              <a:rPr lang="en-US" altLang="zh-CN" sz="2800" dirty="0" smtClean="0">
+                <a:solidFill>
+                  <a:srgbClr val="FF0000"/>
+                </a:solidFill>
+              </a:rPr>
+              <a:t>/span</a:t>
+            </a:r>
+            <a:r>
+              <a:rPr lang="en-US" altLang="zh-CN" sz="2800" dirty="0" smtClean="0"/>
+              <a:t>&gt;</a:t>
+            </a:r>
+            <a:endParaRPr lang="en-US" sz="2800" dirty="0"/>
+          </a:p>
+        </p:txBody>
+      </p:sp>
+      <p:sp>
+        <p:nvSpPr>
+          <p:cNvPr id="4" name="Rectangle 3"/>
+          <p:cNvSpPr/>
+          <p:nvPr/>
+        </p:nvSpPr>
+        <p:spPr>
+          <a:xfrm>
+            <a:off x="635000" y="2543176"/>
+            <a:ext cx="977900" cy="441324"/>
+          </a:xfrm>
+          <a:prstGeom prst="rect">
+            <a:avLst/>
+          </a:prstGeom>
+        </p:spPr>
+        <p:style>
+          <a:lnRef idx="2">
+            <a:schemeClr val="accent6">
+              <a:shade val="50000"/>
+            </a:schemeClr>
+          </a:lnRef>
+          <a:fillRef idx="1">
+            <a:schemeClr val="accent6"/>
+          </a:fillRef>
+          <a:effectRef idx="0">
+            <a:schemeClr val="accent6"/>
+          </a:effectRef>
+          <a:fontRef idx="minor">
+            <a:schemeClr val="lt1"/>
+          </a:fontRef>
+        </p:style>
+        <p:txBody>
+          <a:bodyPr rtlCol="0" anchor="ctr"/>
+          <a:lstStyle/>
+          <a:p>
+            <a:pPr algn="ctr"/>
+            <a:r>
+              <a:rPr lang="zh-CN" altLang="en-US" dirty="0" smtClean="0"/>
+              <a:t>标签</a:t>
+            </a:r>
+            <a:endParaRPr lang="en-US" dirty="0"/>
+          </a:p>
+        </p:txBody>
+      </p:sp>
+      <p:sp>
+        <p:nvSpPr>
+          <p:cNvPr id="5" name="Rectangle 4"/>
+          <p:cNvSpPr/>
+          <p:nvPr/>
+        </p:nvSpPr>
+        <p:spPr>
+          <a:xfrm>
+            <a:off x="1485900" y="3109914"/>
+            <a:ext cx="977900" cy="441324"/>
+          </a:xfrm>
+          <a:prstGeom prst="rect">
+            <a:avLst/>
+          </a:prstGeom>
+        </p:spPr>
+        <p:style>
+          <a:lnRef idx="2">
+            <a:schemeClr val="accent2">
+              <a:shade val="50000"/>
+            </a:schemeClr>
+          </a:lnRef>
+          <a:fillRef idx="1">
+            <a:schemeClr val="accent2"/>
+          </a:fillRef>
+          <a:effectRef idx="0">
+            <a:schemeClr val="accent2"/>
+          </a:effectRef>
+          <a:fontRef idx="minor">
+            <a:schemeClr val="lt1"/>
+          </a:fontRef>
+        </p:style>
+        <p:txBody>
+          <a:bodyPr rtlCol="0" anchor="ctr"/>
+          <a:lstStyle/>
+          <a:p>
+            <a:pPr algn="ctr"/>
+            <a:r>
+              <a:rPr lang="zh-CN" altLang="en-US" dirty="0" smtClean="0"/>
+              <a:t>参数</a:t>
+            </a:r>
+            <a:endParaRPr lang="en-US" dirty="0"/>
+          </a:p>
+        </p:txBody>
+      </p:sp>
+      <p:sp>
+        <p:nvSpPr>
+          <p:cNvPr id="6" name="Rectangle 5"/>
+          <p:cNvSpPr/>
+          <p:nvPr/>
+        </p:nvSpPr>
+        <p:spPr>
+          <a:xfrm>
+            <a:off x="3340100" y="3109914"/>
+            <a:ext cx="977900" cy="441324"/>
+          </a:xfrm>
+          <a:prstGeom prst="rect">
+            <a:avLst/>
+          </a:prstGeom>
+        </p:spPr>
+        <p:style>
+          <a:lnRef idx="2">
+            <a:schemeClr val="accent2">
+              <a:shade val="50000"/>
+            </a:schemeClr>
+          </a:lnRef>
+          <a:fillRef idx="1">
+            <a:schemeClr val="accent2"/>
+          </a:fillRef>
+          <a:effectRef idx="0">
+            <a:schemeClr val="accent2"/>
+          </a:effectRef>
+          <a:fontRef idx="minor">
+            <a:schemeClr val="lt1"/>
+          </a:fontRef>
+        </p:style>
+        <p:txBody>
+          <a:bodyPr rtlCol="0" anchor="ctr"/>
+          <a:lstStyle/>
+          <a:p>
+            <a:pPr algn="ctr"/>
+            <a:r>
+              <a:rPr lang="zh-CN" altLang="en-US" dirty="0" smtClean="0"/>
+              <a:t>参数</a:t>
+            </a:r>
+            <a:endParaRPr lang="en-US" dirty="0"/>
+          </a:p>
+        </p:txBody>
+      </p:sp>
+      <p:sp>
+        <p:nvSpPr>
+          <p:cNvPr id="7" name="Rectangle 6"/>
+          <p:cNvSpPr/>
+          <p:nvPr/>
+        </p:nvSpPr>
+        <p:spPr>
+          <a:xfrm>
+            <a:off x="7378700" y="2543176"/>
+            <a:ext cx="977900" cy="441324"/>
+          </a:xfrm>
+          <a:prstGeom prst="rect">
+            <a:avLst/>
+          </a:prstGeom>
+        </p:spPr>
+        <p:style>
+          <a:lnRef idx="2">
+            <a:schemeClr val="accent6">
+              <a:shade val="50000"/>
+            </a:schemeClr>
+          </a:lnRef>
+          <a:fillRef idx="1">
+            <a:schemeClr val="accent6"/>
+          </a:fillRef>
+          <a:effectRef idx="0">
+            <a:schemeClr val="accent6"/>
+          </a:effectRef>
+          <a:fontRef idx="minor">
+            <a:schemeClr val="lt1"/>
+          </a:fontRef>
+        </p:style>
+        <p:txBody>
+          <a:bodyPr rtlCol="0" anchor="ctr"/>
+          <a:lstStyle/>
+          <a:p>
+            <a:pPr algn="ctr"/>
+            <a:r>
+              <a:rPr lang="zh-CN" altLang="en-US" dirty="0" smtClean="0"/>
+              <a:t>标签</a:t>
+            </a:r>
+            <a:endParaRPr lang="en-US" dirty="0"/>
+          </a:p>
+        </p:txBody>
+      </p:sp>
+      <p:sp>
+        <p:nvSpPr>
+          <p:cNvPr id="8" name="Rectangle 7"/>
+          <p:cNvSpPr/>
+          <p:nvPr/>
+        </p:nvSpPr>
+        <p:spPr>
+          <a:xfrm>
+            <a:off x="5930900" y="3109914"/>
+            <a:ext cx="1231900" cy="441324"/>
+          </a:xfrm>
+          <a:prstGeom prst="rect">
+            <a:avLst/>
+          </a:prstGeom>
+        </p:spPr>
+        <p:style>
+          <a:lnRef idx="2">
+            <a:schemeClr val="accent1">
+              <a:shade val="50000"/>
+            </a:schemeClr>
+          </a:lnRef>
+          <a:fillRef idx="1">
+            <a:schemeClr val="accent1"/>
+          </a:fillRef>
+          <a:effectRef idx="0">
+            <a:schemeClr val="accent1"/>
+          </a:effectRef>
+          <a:fontRef idx="minor">
+            <a:schemeClr val="lt1"/>
+          </a:fontRef>
+        </p:style>
+        <p:txBody>
+          <a:bodyPr rtlCol="0" anchor="ctr"/>
+          <a:lstStyle/>
+          <a:p>
+            <a:pPr algn="ctr"/>
+            <a:r>
+              <a:rPr lang="zh-CN" altLang="en-US" dirty="0" smtClean="0"/>
+              <a:t>显示内容</a:t>
+            </a:r>
+            <a:endParaRPr lang="en-US" dirty="0"/>
+          </a:p>
+        </p:txBody>
+      </p:sp>
+      <p:cxnSp>
+        <p:nvCxnSpPr>
+          <p:cNvPr id="13" name="Straight Arrow Connector 12"/>
+          <p:cNvCxnSpPr>
+            <a:stCxn id="4" idx="0"/>
+          </p:cNvCxnSpPr>
+          <p:nvPr/>
+        </p:nvCxnSpPr>
+        <p:spPr>
+          <a:xfrm flipH="1" flipV="1">
+            <a:off x="1117600" y="2260600"/>
+            <a:ext cx="6350" cy="282576"/>
+          </a:xfrm>
+          <a:prstGeom prst="straightConnector1">
+            <a:avLst/>
+          </a:prstGeom>
+          <a:ln>
+            <a:tailEnd type="arrow"/>
+          </a:ln>
+        </p:spPr>
+        <p:style>
+          <a:lnRef idx="2">
+            <a:schemeClr val="accent1"/>
+          </a:lnRef>
+          <a:fillRef idx="0">
+            <a:schemeClr val="accent1"/>
+          </a:fillRef>
+          <a:effectRef idx="1">
+            <a:schemeClr val="accent1"/>
+          </a:effectRef>
+          <a:fontRef idx="minor">
+            <a:schemeClr val="tx1"/>
+          </a:fontRef>
+        </p:style>
+      </p:cxnSp>
+      <p:cxnSp>
+        <p:nvCxnSpPr>
+          <p:cNvPr id="14" name="Straight Arrow Connector 13"/>
+          <p:cNvCxnSpPr/>
+          <p:nvPr/>
+        </p:nvCxnSpPr>
+        <p:spPr>
+          <a:xfrm flipV="1">
+            <a:off x="1962150" y="2260600"/>
+            <a:ext cx="0" cy="849314"/>
+          </a:xfrm>
+          <a:prstGeom prst="straightConnector1">
+            <a:avLst/>
+          </a:prstGeom>
+          <a:ln>
+            <a:tailEnd type="arrow"/>
+          </a:ln>
+        </p:spPr>
+        <p:style>
+          <a:lnRef idx="2">
+            <a:schemeClr val="accent1"/>
+          </a:lnRef>
+          <a:fillRef idx="0">
+            <a:schemeClr val="accent1"/>
+          </a:fillRef>
+          <a:effectRef idx="1">
+            <a:schemeClr val="accent1"/>
+          </a:effectRef>
+          <a:fontRef idx="minor">
+            <a:schemeClr val="tx1"/>
+          </a:fontRef>
+        </p:style>
+      </p:cxnSp>
+      <p:cxnSp>
+        <p:nvCxnSpPr>
+          <p:cNvPr id="16" name="Straight Arrow Connector 15"/>
+          <p:cNvCxnSpPr/>
+          <p:nvPr/>
+        </p:nvCxnSpPr>
+        <p:spPr>
+          <a:xfrm flipV="1">
+            <a:off x="3841750" y="2263776"/>
+            <a:ext cx="0" cy="849314"/>
+          </a:xfrm>
+          <a:prstGeom prst="straightConnector1">
+            <a:avLst/>
+          </a:prstGeom>
+          <a:ln>
+            <a:tailEnd type="arrow"/>
+          </a:ln>
+        </p:spPr>
+        <p:style>
+          <a:lnRef idx="2">
+            <a:schemeClr val="accent1"/>
+          </a:lnRef>
+          <a:fillRef idx="0">
+            <a:schemeClr val="accent1"/>
+          </a:fillRef>
+          <a:effectRef idx="1">
+            <a:schemeClr val="accent1"/>
+          </a:effectRef>
+          <a:fontRef idx="minor">
+            <a:schemeClr val="tx1"/>
+          </a:fontRef>
+        </p:style>
+      </p:cxnSp>
+      <p:cxnSp>
+        <p:nvCxnSpPr>
+          <p:cNvPr id="17" name="Straight Arrow Connector 16"/>
+          <p:cNvCxnSpPr/>
+          <p:nvPr/>
+        </p:nvCxnSpPr>
+        <p:spPr>
+          <a:xfrm flipV="1">
+            <a:off x="6559550" y="2263776"/>
+            <a:ext cx="0" cy="849314"/>
+          </a:xfrm>
+          <a:prstGeom prst="straightConnector1">
+            <a:avLst/>
+          </a:prstGeom>
+          <a:ln>
+            <a:tailEnd type="arrow"/>
+          </a:ln>
+        </p:spPr>
+        <p:style>
+          <a:lnRef idx="2">
+            <a:schemeClr val="accent1"/>
+          </a:lnRef>
+          <a:fillRef idx="0">
+            <a:schemeClr val="accent1"/>
+          </a:fillRef>
+          <a:effectRef idx="1">
+            <a:schemeClr val="accent1"/>
+          </a:effectRef>
+          <a:fontRef idx="minor">
+            <a:schemeClr val="tx1"/>
+          </a:fontRef>
+        </p:style>
+      </p:cxnSp>
+      <p:cxnSp>
+        <p:nvCxnSpPr>
+          <p:cNvPr id="18" name="Straight Arrow Connector 17"/>
+          <p:cNvCxnSpPr/>
+          <p:nvPr/>
+        </p:nvCxnSpPr>
+        <p:spPr>
+          <a:xfrm flipH="1" flipV="1">
+            <a:off x="7848600" y="2260600"/>
+            <a:ext cx="6350" cy="282576"/>
+          </a:xfrm>
+          <a:prstGeom prst="straightConnector1">
+            <a:avLst/>
+          </a:prstGeom>
+          <a:ln>
+            <a:tailEnd type="arrow"/>
+          </a:ln>
+        </p:spPr>
+        <p:style>
+          <a:lnRef idx="2">
+            <a:schemeClr val="accent1"/>
+          </a:lnRef>
+          <a:fillRef idx="0">
+            <a:schemeClr val="accent1"/>
+          </a:fillRef>
+          <a:effectRef idx="1">
+            <a:schemeClr val="accent1"/>
+          </a:effectRef>
+          <a:fontRef idx="minor">
+            <a:schemeClr val="tx1"/>
+          </a:fontRef>
+        </p:style>
+      </p:cxnSp>
+    </p:spTree>
+    <p:extLst>
+      <p:ext uri="{BB962C8B-B14F-4D97-AF65-F5344CB8AC3E}">
+        <p14:creationId xmlns:p14="http://schemas.microsoft.com/office/powerpoint/2010/main" val="53567989"/>
       </p:ext>
     </p:extLst>
   </p:cSld>
